--- a/ppt/BigData08-MongoDB.pptx
+++ b/ppt/BigData08-MongoDB.pptx
@@ -5,20 +5,19 @@
     <p:sldMasterId id="2147483653" r:id="rId1"/>
   </p:sldMasterIdLst>
   <p:notesMasterIdLst>
-    <p:notesMasterId r:id="rId10"/>
+    <p:notesMasterId r:id="rId9"/>
   </p:notesMasterIdLst>
   <p:handoutMasterIdLst>
-    <p:handoutMasterId r:id="rId11"/>
+    <p:handoutMasterId r:id="rId10"/>
   </p:handoutMasterIdLst>
   <p:sldIdLst>
     <p:sldId id="264" r:id="rId2"/>
-    <p:sldId id="273" r:id="rId3"/>
-    <p:sldId id="265" r:id="rId4"/>
-    <p:sldId id="269" r:id="rId5"/>
-    <p:sldId id="271" r:id="rId6"/>
-    <p:sldId id="268" r:id="rId7"/>
-    <p:sldId id="270" r:id="rId8"/>
-    <p:sldId id="272" r:id="rId9"/>
+    <p:sldId id="265" r:id="rId3"/>
+    <p:sldId id="269" r:id="rId4"/>
+    <p:sldId id="271" r:id="rId5"/>
+    <p:sldId id="268" r:id="rId6"/>
+    <p:sldId id="270" r:id="rId7"/>
+    <p:sldId id="272" r:id="rId8"/>
   </p:sldIdLst>
   <p:sldSz cx="9144000" cy="6858000" type="screen4x3"/>
   <p:notesSz cx="6648450" cy="9782175"/>
@@ -3776,100 +3775,6 @@
       </p:grpSpPr>
       <p:sp>
         <p:nvSpPr>
-          <p:cNvPr id="2" name="Titre 1">
-            <a:extLst>
-              <a:ext uri="{FF2B5EF4-FFF2-40B4-BE49-F238E27FC236}">
-                <a16:creationId xmlns:a16="http://schemas.microsoft.com/office/drawing/2014/main" id="{E35FBA7D-AE8B-9127-1A93-872B16284DE7}"/>
-              </a:ext>
-            </a:extLst>
-          </p:cNvPr>
-          <p:cNvSpPr>
-            <a:spLocks noGrp="1"/>
-          </p:cNvSpPr>
-          <p:nvPr>
-            <p:ph type="title"/>
-          </p:nvPr>
-        </p:nvSpPr>
-        <p:spPr/>
-        <p:txBody>
-          <a:bodyPr/>
-          <a:lstStyle/>
-          <a:p>
-            <a:endParaRPr lang="fr-FR" dirty="0"/>
-          </a:p>
-        </p:txBody>
-      </p:sp>
-      <p:sp>
-        <p:nvSpPr>
-          <p:cNvPr id="3" name="Espace réservé du contenu 2">
-            <a:extLst>
-              <a:ext uri="{FF2B5EF4-FFF2-40B4-BE49-F238E27FC236}">
-                <a16:creationId xmlns:a16="http://schemas.microsoft.com/office/drawing/2014/main" id="{F91D8C75-C037-B938-2F77-5DA41E1A681E}"/>
-              </a:ext>
-            </a:extLst>
-          </p:cNvPr>
-          <p:cNvSpPr>
-            <a:spLocks noGrp="1"/>
-          </p:cNvSpPr>
-          <p:nvPr>
-            <p:ph idx="1"/>
-          </p:nvPr>
-        </p:nvSpPr>
-        <p:spPr/>
-        <p:txBody>
-          <a:bodyPr/>
-          <a:lstStyle/>
-          <a:p>
-            <a:r>
-              <a:rPr lang="fr-FR" dirty="0" err="1"/>
-              <a:t>ObjectStorage</a:t>
-            </a:r>
-            <a:endParaRPr lang="fr-FR" dirty="0"/>
-          </a:p>
-          <a:p>
-            <a:r>
-              <a:rPr lang="fr-FR" dirty="0"/>
-              <a:t>Semi </a:t>
-            </a:r>
-            <a:r>
-              <a:rPr lang="fr-FR"/>
-              <a:t>Struct</a:t>
-            </a:r>
-          </a:p>
-        </p:txBody>
-      </p:sp>
-    </p:spTree>
-    <p:extLst>
-      <p:ext uri="{BB962C8B-B14F-4D97-AF65-F5344CB8AC3E}">
-        <p14:creationId xmlns:p14="http://schemas.microsoft.com/office/powerpoint/2010/main" val="1109676546"/>
-      </p:ext>
-    </p:extLst>
-  </p:cSld>
-  <p:clrMapOvr>
-    <a:masterClrMapping/>
-  </p:clrMapOvr>
-</p:sld>
-</file>
-
-<file path=ppt/slides/slide3.xml><?xml version="1.0" encoding="utf-8"?>
-<p:sld xmlns:a="http://schemas.openxmlformats.org/drawingml/2006/main" xmlns:r="http://schemas.openxmlformats.org/officeDocument/2006/relationships" xmlns:p="http://schemas.openxmlformats.org/presentationml/2006/main">
-  <p:cSld>
-    <p:spTree>
-      <p:nvGrpSpPr>
-        <p:cNvPr id="1" name=""/>
-        <p:cNvGrpSpPr/>
-        <p:nvPr/>
-      </p:nvGrpSpPr>
-      <p:grpSpPr>
-        <a:xfrm>
-          <a:off x="0" y="0"/>
-          <a:ext cx="0" cy="0"/>
-          <a:chOff x="0" y="0"/>
-          <a:chExt cx="0" cy="0"/>
-        </a:xfrm>
-      </p:grpSpPr>
-      <p:sp>
-        <p:nvSpPr>
           <p:cNvPr id="3" name="Espace réservé du contenu 2"/>
           <p:cNvSpPr>
             <a:spLocks noGrp="1"/>
@@ -3903,7 +3808,7 @@
             <a:pPr lvl="1"/>
             <a:r>
               <a:rPr lang="fr-FR" dirty="0"/>
-              <a:t>JSON</a:t>
+              <a:t>JSON et CSV</a:t>
             </a:r>
           </a:p>
           <a:p>
@@ -3930,22 +3835,8 @@
           <a:p>
             <a:r>
               <a:rPr lang="fr-FR" dirty="0"/>
-              <a:t>Indexation JSON</a:t>
-            </a:r>
-          </a:p>
-          <a:p>
-            <a:r>
-              <a:rPr lang="fr-FR" dirty="0"/>
-              <a:t>Démarrage</a:t>
-            </a:r>
-          </a:p>
-          <a:p>
-            <a:pPr lvl="1"/>
-            <a:r>
-              <a:rPr lang="fr-FR" dirty="0" err="1"/>
-              <a:t>Mongod</a:t>
-            </a:r>
-            <a:endParaRPr lang="fr-FR" dirty="0"/>
+              <a:t>Indexation JSON et CSV</a:t>
+            </a:r>
           </a:p>
           <a:p>
             <a:r>
@@ -4036,7 +3927,7 @@
 </p:sld>
 </file>
 
-<file path=ppt/slides/slide4.xml><?xml version="1.0" encoding="utf-8"?>
+<file path=ppt/slides/slide3.xml><?xml version="1.0" encoding="utf-8"?>
 <p:sld xmlns:a="http://schemas.openxmlformats.org/drawingml/2006/main" xmlns:r="http://schemas.openxmlformats.org/officeDocument/2006/relationships" xmlns:p="http://schemas.openxmlformats.org/presentationml/2006/main">
   <p:cSld>
     <p:spTree>
@@ -4147,7 +4038,7 @@
 </p:sld>
 </file>
 
-<file path=ppt/slides/slide5.xml><?xml version="1.0" encoding="utf-8"?>
+<file path=ppt/slides/slide4.xml><?xml version="1.0" encoding="utf-8"?>
 <p:sld xmlns:a="http://schemas.openxmlformats.org/drawingml/2006/main" xmlns:r="http://schemas.openxmlformats.org/officeDocument/2006/relationships" xmlns:p="http://schemas.openxmlformats.org/presentationml/2006/main">
   <p:cSld>
     <p:spTree>
@@ -4334,6 +4225,260 @@
 </p:sld>
 </file>
 
+<file path=ppt/slides/slide5.xml><?xml version="1.0" encoding="utf-8"?>
+<p:sld xmlns:a="http://schemas.openxmlformats.org/drawingml/2006/main" xmlns:r="http://schemas.openxmlformats.org/officeDocument/2006/relationships" xmlns:p="http://schemas.openxmlformats.org/presentationml/2006/main">
+  <p:cSld>
+    <p:spTree>
+      <p:nvGrpSpPr>
+        <p:cNvPr id="1" name=""/>
+        <p:cNvGrpSpPr/>
+        <p:nvPr/>
+      </p:nvGrpSpPr>
+      <p:grpSpPr>
+        <a:xfrm>
+          <a:off x="0" y="0"/>
+          <a:ext cx="0" cy="0"/>
+          <a:chOff x="0" y="0"/>
+          <a:chExt cx="0" cy="0"/>
+        </a:xfrm>
+      </p:grpSpPr>
+      <p:sp>
+        <p:nvSpPr>
+          <p:cNvPr id="2" name="Titre 1"/>
+          <p:cNvSpPr>
+            <a:spLocks noGrp="1"/>
+          </p:cNvSpPr>
+          <p:nvPr>
+            <p:ph type="title"/>
+          </p:nvPr>
+        </p:nvSpPr>
+        <p:spPr/>
+        <p:txBody>
+          <a:bodyPr/>
+          <a:lstStyle/>
+          <a:p>
+            <a:r>
+              <a:rPr lang="fr-FR" dirty="0" err="1"/>
+              <a:t>PyMongo</a:t>
+            </a:r>
+            <a:endParaRPr lang="fr-FR" dirty="0"/>
+          </a:p>
+        </p:txBody>
+      </p:sp>
+      <p:sp>
+        <p:nvSpPr>
+          <p:cNvPr id="3" name="Espace réservé du contenu 2"/>
+          <p:cNvSpPr>
+            <a:spLocks noGrp="1"/>
+          </p:cNvSpPr>
+          <p:nvPr>
+            <p:ph idx="1"/>
+          </p:nvPr>
+        </p:nvSpPr>
+        <p:spPr/>
+        <p:txBody>
+          <a:bodyPr/>
+          <a:lstStyle/>
+          <a:p>
+            <a:r>
+              <a:rPr lang="fr-FR" dirty="0"/>
+              <a:t>Permet d’accéder à Mongo</a:t>
+            </a:r>
+          </a:p>
+          <a:p>
+            <a:endParaRPr lang="fr-FR" dirty="0"/>
+          </a:p>
+          <a:p>
+            <a:pPr marL="0" indent="0">
+              <a:buNone/>
+            </a:pPr>
+            <a:r>
+              <a:rPr lang="en-US" sz="2000" dirty="0">
+                <a:latin typeface="Courier New" panose="02070309020205020404" pitchFamily="49" charset="0"/>
+                <a:cs typeface="Courier New" panose="02070309020205020404" pitchFamily="49" charset="0"/>
+              </a:rPr>
+              <a:t>with </a:t>
+            </a:r>
+            <a:r>
+              <a:rPr lang="en-US" sz="2000" dirty="0" err="1">
+                <a:latin typeface="Courier New" panose="02070309020205020404" pitchFamily="49" charset="0"/>
+                <a:cs typeface="Courier New" panose="02070309020205020404" pitchFamily="49" charset="0"/>
+              </a:rPr>
+              <a:t>pymongo.MongoClient</a:t>
+            </a:r>
+            <a:r>
+              <a:rPr lang="en-US" sz="2000" dirty="0">
+                <a:latin typeface="Courier New" panose="02070309020205020404" pitchFamily="49" charset="0"/>
+                <a:cs typeface="Courier New" panose="02070309020205020404" pitchFamily="49" charset="0"/>
+              </a:rPr>
+              <a:t>('localhost', 27017) as client:</a:t>
+            </a:r>
+          </a:p>
+          <a:p>
+            <a:pPr marL="0" indent="0">
+              <a:buNone/>
+            </a:pPr>
+            <a:r>
+              <a:rPr lang="en-US" sz="2000" dirty="0">
+                <a:latin typeface="Courier New" panose="02070309020205020404" pitchFamily="49" charset="0"/>
+                <a:cs typeface="Courier New" panose="02070309020205020404" pitchFamily="49" charset="0"/>
+              </a:rPr>
+              <a:t>    </a:t>
+            </a:r>
+            <a:r>
+              <a:rPr lang="en-US" sz="2000" dirty="0" err="1">
+                <a:latin typeface="Courier New" panose="02070309020205020404" pitchFamily="49" charset="0"/>
+                <a:cs typeface="Courier New" panose="02070309020205020404" pitchFamily="49" charset="0"/>
+              </a:rPr>
+              <a:t>db</a:t>
+            </a:r>
+            <a:r>
+              <a:rPr lang="en-US" sz="2000" dirty="0">
+                <a:latin typeface="Courier New" panose="02070309020205020404" pitchFamily="49" charset="0"/>
+                <a:cs typeface="Courier New" panose="02070309020205020404" pitchFamily="49" charset="0"/>
+              </a:rPr>
+              <a:t>=</a:t>
+            </a:r>
+            <a:r>
+              <a:rPr lang="en-US" sz="2000" dirty="0" err="1">
+                <a:latin typeface="Courier New" panose="02070309020205020404" pitchFamily="49" charset="0"/>
+                <a:cs typeface="Courier New" panose="02070309020205020404" pitchFamily="49" charset="0"/>
+              </a:rPr>
+              <a:t>client.test</a:t>
+            </a:r>
+            <a:endParaRPr lang="en-US" sz="2000" dirty="0">
+              <a:latin typeface="Courier New" panose="02070309020205020404" pitchFamily="49" charset="0"/>
+              <a:cs typeface="Courier New" panose="02070309020205020404" pitchFamily="49" charset="0"/>
+            </a:endParaRPr>
+          </a:p>
+          <a:p>
+            <a:pPr marL="0" indent="0">
+              <a:buNone/>
+            </a:pPr>
+            <a:r>
+              <a:rPr lang="en-US" sz="2000" dirty="0">
+                <a:latin typeface="Courier New" panose="02070309020205020404" pitchFamily="49" charset="0"/>
+                <a:cs typeface="Courier New" panose="02070309020205020404" pitchFamily="49" charset="0"/>
+              </a:rPr>
+              <a:t>    collection = </a:t>
+            </a:r>
+            <a:r>
+              <a:rPr lang="en-US" sz="2000" dirty="0" err="1">
+                <a:latin typeface="Courier New" panose="02070309020205020404" pitchFamily="49" charset="0"/>
+                <a:cs typeface="Courier New" panose="02070309020205020404" pitchFamily="49" charset="0"/>
+              </a:rPr>
+              <a:t>db.loyers</a:t>
+            </a:r>
+            <a:endParaRPr lang="en-US" sz="2000" dirty="0">
+              <a:latin typeface="Courier New" panose="02070309020205020404" pitchFamily="49" charset="0"/>
+              <a:cs typeface="Courier New" panose="02070309020205020404" pitchFamily="49" charset="0"/>
+            </a:endParaRPr>
+          </a:p>
+          <a:p>
+            <a:pPr marL="0" indent="0">
+              <a:buNone/>
+            </a:pPr>
+            <a:r>
+              <a:rPr lang="en-US" sz="2000" dirty="0">
+                <a:latin typeface="Courier New" panose="02070309020205020404" pitchFamily="49" charset="0"/>
+                <a:cs typeface="Courier New" panose="02070309020205020404" pitchFamily="49" charset="0"/>
+              </a:rPr>
+              <a:t>    post={"id":1,"hello":"world"}</a:t>
+            </a:r>
+          </a:p>
+          <a:p>
+            <a:pPr marL="0" indent="0">
+              <a:buNone/>
+            </a:pPr>
+            <a:r>
+              <a:rPr lang="en-US" sz="2000" dirty="0">
+                <a:latin typeface="Courier New" panose="02070309020205020404" pitchFamily="49" charset="0"/>
+                <a:cs typeface="Courier New" panose="02070309020205020404" pitchFamily="49" charset="0"/>
+              </a:rPr>
+              <a:t>    id=</a:t>
+            </a:r>
+            <a:r>
+              <a:rPr lang="en-US" sz="2000" dirty="0" err="1">
+                <a:latin typeface="Courier New" panose="02070309020205020404" pitchFamily="49" charset="0"/>
+                <a:cs typeface="Courier New" panose="02070309020205020404" pitchFamily="49" charset="0"/>
+              </a:rPr>
+              <a:t>collection.insert_one</a:t>
+            </a:r>
+            <a:r>
+              <a:rPr lang="en-US" sz="2000" dirty="0">
+                <a:latin typeface="Courier New" panose="02070309020205020404" pitchFamily="49" charset="0"/>
+                <a:cs typeface="Courier New" panose="02070309020205020404" pitchFamily="49" charset="0"/>
+              </a:rPr>
+              <a:t>(post).</a:t>
+            </a:r>
+            <a:r>
+              <a:rPr lang="en-US" sz="2000" dirty="0" err="1">
+                <a:latin typeface="Courier New" panose="02070309020205020404" pitchFamily="49" charset="0"/>
+                <a:cs typeface="Courier New" panose="02070309020205020404" pitchFamily="49" charset="0"/>
+              </a:rPr>
+              <a:t>inserted_id</a:t>
+            </a:r>
+            <a:endParaRPr lang="en-US" sz="2000" dirty="0">
+              <a:latin typeface="Courier New" panose="02070309020205020404" pitchFamily="49" charset="0"/>
+              <a:cs typeface="Courier New" panose="02070309020205020404" pitchFamily="49" charset="0"/>
+            </a:endParaRPr>
+          </a:p>
+          <a:p>
+            <a:pPr marL="0" indent="0">
+              <a:buNone/>
+            </a:pPr>
+            <a:r>
+              <a:rPr lang="en-US" sz="2000" dirty="0">
+                <a:latin typeface="Courier New" panose="02070309020205020404" pitchFamily="49" charset="0"/>
+                <a:cs typeface="Courier New" panose="02070309020205020404" pitchFamily="49" charset="0"/>
+              </a:rPr>
+              <a:t>    </a:t>
+            </a:r>
+            <a:r>
+              <a:rPr lang="en-US" sz="2000" dirty="0" err="1">
+                <a:latin typeface="Courier New" panose="02070309020205020404" pitchFamily="49" charset="0"/>
+                <a:cs typeface="Courier New" panose="02070309020205020404" pitchFamily="49" charset="0"/>
+              </a:rPr>
+              <a:t>collection.find</a:t>
+            </a:r>
+            <a:r>
+              <a:rPr lang="en-US" sz="2000" dirty="0">
+                <a:latin typeface="Courier New" panose="02070309020205020404" pitchFamily="49" charset="0"/>
+                <a:cs typeface="Courier New" panose="02070309020205020404" pitchFamily="49" charset="0"/>
+              </a:rPr>
+              <a:t>({"</a:t>
+            </a:r>
+            <a:r>
+              <a:rPr lang="en-US" sz="2000" dirty="0" err="1">
+                <a:latin typeface="Courier New" panose="02070309020205020404" pitchFamily="49" charset="0"/>
+                <a:cs typeface="Courier New" panose="02070309020205020404" pitchFamily="49" charset="0"/>
+              </a:rPr>
+              <a:t>key":”value</a:t>
+            </a:r>
+            <a:r>
+              <a:rPr lang="en-US" sz="2000" dirty="0">
+                <a:latin typeface="Courier New" panose="02070309020205020404" pitchFamily="49" charset="0"/>
+                <a:cs typeface="Courier New" panose="02070309020205020404" pitchFamily="49" charset="0"/>
+              </a:rPr>
+              <a:t>”})</a:t>
+            </a:r>
+            <a:endParaRPr lang="en-US" dirty="0"/>
+          </a:p>
+        </p:txBody>
+      </p:sp>
+    </p:spTree>
+    <p:extLst>
+      <p:ext uri="{BB962C8B-B14F-4D97-AF65-F5344CB8AC3E}">
+        <p14:creationId xmlns:p14="http://schemas.microsoft.com/office/powerpoint/2010/main" val="1578075222"/>
+      </p:ext>
+    </p:extLst>
+  </p:cSld>
+  <p:clrMapOvr>
+    <a:masterClrMapping/>
+  </p:clrMapOvr>
+</p:sld>
+</file>
+
 <file path=ppt/slides/slide6.xml><?xml version="1.0" encoding="utf-8"?>
 <p:sld xmlns:a="http://schemas.openxmlformats.org/drawingml/2006/main" xmlns:r="http://schemas.openxmlformats.org/officeDocument/2006/relationships" xmlns:p="http://schemas.openxmlformats.org/presentationml/2006/main">
   <p:cSld>
@@ -4367,10 +4512,9 @@
           <a:lstStyle/>
           <a:p>
             <a:r>
-              <a:rPr lang="fr-FR" dirty="0" err="1"/>
-              <a:t>PyMongo</a:t>
-            </a:r>
-            <a:endParaRPr lang="fr-FR" dirty="0"/>
+              <a:rPr lang="fr-FR" dirty="0"/>
+              <a:t>BSON</a:t>
+            </a:r>
           </a:p>
         </p:txBody>
       </p:sp>
@@ -4391,259 +4535,6 @@
           <a:p>
             <a:r>
               <a:rPr lang="fr-FR" dirty="0"/>
-              <a:t>Permet d’accéder à Mongo</a:t>
-            </a:r>
-          </a:p>
-          <a:p>
-            <a:endParaRPr lang="fr-FR" dirty="0"/>
-          </a:p>
-          <a:p>
-            <a:pPr marL="0" indent="0">
-              <a:buNone/>
-            </a:pPr>
-            <a:r>
-              <a:rPr lang="en-US" sz="2000" dirty="0">
-                <a:latin typeface="Courier New" panose="02070309020205020404" pitchFamily="49" charset="0"/>
-                <a:cs typeface="Courier New" panose="02070309020205020404" pitchFamily="49" charset="0"/>
-              </a:rPr>
-              <a:t>with </a:t>
-            </a:r>
-            <a:r>
-              <a:rPr lang="en-US" sz="2000" dirty="0" err="1">
-                <a:latin typeface="Courier New" panose="02070309020205020404" pitchFamily="49" charset="0"/>
-                <a:cs typeface="Courier New" panose="02070309020205020404" pitchFamily="49" charset="0"/>
-              </a:rPr>
-              <a:t>pymongo.MongoClient</a:t>
-            </a:r>
-            <a:r>
-              <a:rPr lang="en-US" sz="2000" dirty="0">
-                <a:latin typeface="Courier New" panose="02070309020205020404" pitchFamily="49" charset="0"/>
-                <a:cs typeface="Courier New" panose="02070309020205020404" pitchFamily="49" charset="0"/>
-              </a:rPr>
-              <a:t>('localhost', 27017) as client:</a:t>
-            </a:r>
-          </a:p>
-          <a:p>
-            <a:pPr marL="0" indent="0">
-              <a:buNone/>
-            </a:pPr>
-            <a:r>
-              <a:rPr lang="en-US" sz="2000" dirty="0">
-                <a:latin typeface="Courier New" panose="02070309020205020404" pitchFamily="49" charset="0"/>
-                <a:cs typeface="Courier New" panose="02070309020205020404" pitchFamily="49" charset="0"/>
-              </a:rPr>
-              <a:t>    </a:t>
-            </a:r>
-            <a:r>
-              <a:rPr lang="en-US" sz="2000" dirty="0" err="1">
-                <a:latin typeface="Courier New" panose="02070309020205020404" pitchFamily="49" charset="0"/>
-                <a:cs typeface="Courier New" panose="02070309020205020404" pitchFamily="49" charset="0"/>
-              </a:rPr>
-              <a:t>db</a:t>
-            </a:r>
-            <a:r>
-              <a:rPr lang="en-US" sz="2000" dirty="0">
-                <a:latin typeface="Courier New" panose="02070309020205020404" pitchFamily="49" charset="0"/>
-                <a:cs typeface="Courier New" panose="02070309020205020404" pitchFamily="49" charset="0"/>
-              </a:rPr>
-              <a:t>=</a:t>
-            </a:r>
-            <a:r>
-              <a:rPr lang="en-US" sz="2000" dirty="0" err="1">
-                <a:latin typeface="Courier New" panose="02070309020205020404" pitchFamily="49" charset="0"/>
-                <a:cs typeface="Courier New" panose="02070309020205020404" pitchFamily="49" charset="0"/>
-              </a:rPr>
-              <a:t>client.test</a:t>
-            </a:r>
-            <a:endParaRPr lang="en-US" sz="2000" dirty="0">
-              <a:latin typeface="Courier New" panose="02070309020205020404" pitchFamily="49" charset="0"/>
-              <a:cs typeface="Courier New" panose="02070309020205020404" pitchFamily="49" charset="0"/>
-            </a:endParaRPr>
-          </a:p>
-          <a:p>
-            <a:pPr marL="0" indent="0">
-              <a:buNone/>
-            </a:pPr>
-            <a:r>
-              <a:rPr lang="en-US" sz="2000" dirty="0">
-                <a:latin typeface="Courier New" panose="02070309020205020404" pitchFamily="49" charset="0"/>
-                <a:cs typeface="Courier New" panose="02070309020205020404" pitchFamily="49" charset="0"/>
-              </a:rPr>
-              <a:t>    collection = </a:t>
-            </a:r>
-            <a:r>
-              <a:rPr lang="en-US" sz="2000" dirty="0" err="1">
-                <a:latin typeface="Courier New" panose="02070309020205020404" pitchFamily="49" charset="0"/>
-                <a:cs typeface="Courier New" panose="02070309020205020404" pitchFamily="49" charset="0"/>
-              </a:rPr>
-              <a:t>db.loyers</a:t>
-            </a:r>
-            <a:endParaRPr lang="en-US" sz="2000" dirty="0">
-              <a:latin typeface="Courier New" panose="02070309020205020404" pitchFamily="49" charset="0"/>
-              <a:cs typeface="Courier New" panose="02070309020205020404" pitchFamily="49" charset="0"/>
-            </a:endParaRPr>
-          </a:p>
-          <a:p>
-            <a:pPr marL="0" indent="0">
-              <a:buNone/>
-            </a:pPr>
-            <a:r>
-              <a:rPr lang="en-US" sz="2000" dirty="0">
-                <a:latin typeface="Courier New" panose="02070309020205020404" pitchFamily="49" charset="0"/>
-                <a:cs typeface="Courier New" panose="02070309020205020404" pitchFamily="49" charset="0"/>
-              </a:rPr>
-              <a:t>    post={"id":1,"hello":"world"}</a:t>
-            </a:r>
-          </a:p>
-          <a:p>
-            <a:pPr marL="0" indent="0">
-              <a:buNone/>
-            </a:pPr>
-            <a:r>
-              <a:rPr lang="en-US" sz="2000" dirty="0">
-                <a:latin typeface="Courier New" panose="02070309020205020404" pitchFamily="49" charset="0"/>
-                <a:cs typeface="Courier New" panose="02070309020205020404" pitchFamily="49" charset="0"/>
-              </a:rPr>
-              <a:t>    id=</a:t>
-            </a:r>
-            <a:r>
-              <a:rPr lang="en-US" sz="2000" dirty="0" err="1">
-                <a:latin typeface="Courier New" panose="02070309020205020404" pitchFamily="49" charset="0"/>
-                <a:cs typeface="Courier New" panose="02070309020205020404" pitchFamily="49" charset="0"/>
-              </a:rPr>
-              <a:t>collection.insert_one</a:t>
-            </a:r>
-            <a:r>
-              <a:rPr lang="en-US" sz="2000" dirty="0">
-                <a:latin typeface="Courier New" panose="02070309020205020404" pitchFamily="49" charset="0"/>
-                <a:cs typeface="Courier New" panose="02070309020205020404" pitchFamily="49" charset="0"/>
-              </a:rPr>
-              <a:t>(post).</a:t>
-            </a:r>
-            <a:r>
-              <a:rPr lang="en-US" sz="2000" dirty="0" err="1">
-                <a:latin typeface="Courier New" panose="02070309020205020404" pitchFamily="49" charset="0"/>
-                <a:cs typeface="Courier New" panose="02070309020205020404" pitchFamily="49" charset="0"/>
-              </a:rPr>
-              <a:t>inserted_id</a:t>
-            </a:r>
-            <a:endParaRPr lang="en-US" sz="2000" dirty="0">
-              <a:latin typeface="Courier New" panose="02070309020205020404" pitchFamily="49" charset="0"/>
-              <a:cs typeface="Courier New" panose="02070309020205020404" pitchFamily="49" charset="0"/>
-            </a:endParaRPr>
-          </a:p>
-          <a:p>
-            <a:pPr marL="0" indent="0">
-              <a:buNone/>
-            </a:pPr>
-            <a:r>
-              <a:rPr lang="en-US" sz="2000" dirty="0">
-                <a:latin typeface="Courier New" panose="02070309020205020404" pitchFamily="49" charset="0"/>
-                <a:cs typeface="Courier New" panose="02070309020205020404" pitchFamily="49" charset="0"/>
-              </a:rPr>
-              <a:t>    </a:t>
-            </a:r>
-            <a:r>
-              <a:rPr lang="en-US" sz="2000" dirty="0" err="1">
-                <a:latin typeface="Courier New" panose="02070309020205020404" pitchFamily="49" charset="0"/>
-                <a:cs typeface="Courier New" panose="02070309020205020404" pitchFamily="49" charset="0"/>
-              </a:rPr>
-              <a:t>collection.find</a:t>
-            </a:r>
-            <a:r>
-              <a:rPr lang="en-US" sz="2000" dirty="0">
-                <a:latin typeface="Courier New" panose="02070309020205020404" pitchFamily="49" charset="0"/>
-                <a:cs typeface="Courier New" panose="02070309020205020404" pitchFamily="49" charset="0"/>
-              </a:rPr>
-              <a:t>({"</a:t>
-            </a:r>
-            <a:r>
-              <a:rPr lang="en-US" sz="2000" dirty="0" err="1">
-                <a:latin typeface="Courier New" panose="02070309020205020404" pitchFamily="49" charset="0"/>
-                <a:cs typeface="Courier New" panose="02070309020205020404" pitchFamily="49" charset="0"/>
-              </a:rPr>
-              <a:t>key":”value</a:t>
-            </a:r>
-            <a:r>
-              <a:rPr lang="en-US" sz="2000" dirty="0">
-                <a:latin typeface="Courier New" panose="02070309020205020404" pitchFamily="49" charset="0"/>
-                <a:cs typeface="Courier New" panose="02070309020205020404" pitchFamily="49" charset="0"/>
-              </a:rPr>
-              <a:t>”})</a:t>
-            </a:r>
-            <a:endParaRPr lang="en-US" dirty="0"/>
-          </a:p>
-        </p:txBody>
-      </p:sp>
-    </p:spTree>
-    <p:extLst>
-      <p:ext uri="{BB962C8B-B14F-4D97-AF65-F5344CB8AC3E}">
-        <p14:creationId xmlns:p14="http://schemas.microsoft.com/office/powerpoint/2010/main" val="1578075222"/>
-      </p:ext>
-    </p:extLst>
-  </p:cSld>
-  <p:clrMapOvr>
-    <a:masterClrMapping/>
-  </p:clrMapOvr>
-</p:sld>
-</file>
-
-<file path=ppt/slides/slide7.xml><?xml version="1.0" encoding="utf-8"?>
-<p:sld xmlns:a="http://schemas.openxmlformats.org/drawingml/2006/main" xmlns:r="http://schemas.openxmlformats.org/officeDocument/2006/relationships" xmlns:p="http://schemas.openxmlformats.org/presentationml/2006/main">
-  <p:cSld>
-    <p:spTree>
-      <p:nvGrpSpPr>
-        <p:cNvPr id="1" name=""/>
-        <p:cNvGrpSpPr/>
-        <p:nvPr/>
-      </p:nvGrpSpPr>
-      <p:grpSpPr>
-        <a:xfrm>
-          <a:off x="0" y="0"/>
-          <a:ext cx="0" cy="0"/>
-          <a:chOff x="0" y="0"/>
-          <a:chExt cx="0" cy="0"/>
-        </a:xfrm>
-      </p:grpSpPr>
-      <p:sp>
-        <p:nvSpPr>
-          <p:cNvPr id="2" name="Titre 1"/>
-          <p:cNvSpPr>
-            <a:spLocks noGrp="1"/>
-          </p:cNvSpPr>
-          <p:nvPr>
-            <p:ph type="title"/>
-          </p:nvPr>
-        </p:nvSpPr>
-        <p:spPr/>
-        <p:txBody>
-          <a:bodyPr/>
-          <a:lstStyle/>
-          <a:p>
-            <a:r>
-              <a:rPr lang="fr-FR" dirty="0"/>
-              <a:t>BSON</a:t>
-            </a:r>
-          </a:p>
-        </p:txBody>
-      </p:sp>
-      <p:sp>
-        <p:nvSpPr>
-          <p:cNvPr id="3" name="Espace réservé du contenu 2"/>
-          <p:cNvSpPr>
-            <a:spLocks noGrp="1"/>
-          </p:cNvSpPr>
-          <p:nvPr>
-            <p:ph idx="1"/>
-          </p:nvPr>
-        </p:nvSpPr>
-        <p:spPr/>
-        <p:txBody>
-          <a:bodyPr/>
-          <a:lstStyle/>
-          <a:p>
-            <a:r>
-              <a:rPr lang="fr-FR" dirty="0"/>
               <a:t>Permet d’accéder à un objet par son </a:t>
             </a:r>
             <a:r>
@@ -4807,7 +4698,7 @@
 </p:sld>
 </file>
 
-<file path=ppt/slides/slide8.xml><?xml version="1.0" encoding="utf-8"?>
+<file path=ppt/slides/slide7.xml><?xml version="1.0" encoding="utf-8"?>
 <p:sld xmlns:a="http://schemas.openxmlformats.org/drawingml/2006/main" xmlns:r="http://schemas.openxmlformats.org/officeDocument/2006/relationships" xmlns:p="http://schemas.openxmlformats.org/presentationml/2006/main">
   <p:cSld>
     <p:spTree>

--- a/ppt/BigData08-MongoDB.pptx
+++ b/ppt/BigData08-MongoDB.pptx
@@ -5,10 +5,10 @@
     <p:sldMasterId id="2147483653" r:id="rId1"/>
   </p:sldMasterIdLst>
   <p:notesMasterIdLst>
-    <p:notesMasterId r:id="rId9"/>
+    <p:notesMasterId r:id="rId8"/>
   </p:notesMasterIdLst>
   <p:handoutMasterIdLst>
-    <p:handoutMasterId r:id="rId10"/>
+    <p:handoutMasterId r:id="rId9"/>
   </p:handoutMasterIdLst>
   <p:sldIdLst>
     <p:sldId id="264" r:id="rId2"/>
@@ -16,8 +16,7 @@
     <p:sldId id="269" r:id="rId4"/>
     <p:sldId id="271" r:id="rId5"/>
     <p:sldId id="268" r:id="rId6"/>
-    <p:sldId id="270" r:id="rId7"/>
-    <p:sldId id="272" r:id="rId8"/>
+    <p:sldId id="272" r:id="rId7"/>
   </p:sldIdLst>
   <p:sldSz cx="9144000" cy="6858000" type="screen4x3"/>
   <p:notesSz cx="6648450" cy="9782175"/>
@@ -4480,225 +4479,6 @@
 </file>
 
 <file path=ppt/slides/slide6.xml><?xml version="1.0" encoding="utf-8"?>
-<p:sld xmlns:a="http://schemas.openxmlformats.org/drawingml/2006/main" xmlns:r="http://schemas.openxmlformats.org/officeDocument/2006/relationships" xmlns:p="http://schemas.openxmlformats.org/presentationml/2006/main">
-  <p:cSld>
-    <p:spTree>
-      <p:nvGrpSpPr>
-        <p:cNvPr id="1" name=""/>
-        <p:cNvGrpSpPr/>
-        <p:nvPr/>
-      </p:nvGrpSpPr>
-      <p:grpSpPr>
-        <a:xfrm>
-          <a:off x="0" y="0"/>
-          <a:ext cx="0" cy="0"/>
-          <a:chOff x="0" y="0"/>
-          <a:chExt cx="0" cy="0"/>
-        </a:xfrm>
-      </p:grpSpPr>
-      <p:sp>
-        <p:nvSpPr>
-          <p:cNvPr id="2" name="Titre 1"/>
-          <p:cNvSpPr>
-            <a:spLocks noGrp="1"/>
-          </p:cNvSpPr>
-          <p:nvPr>
-            <p:ph type="title"/>
-          </p:nvPr>
-        </p:nvSpPr>
-        <p:spPr/>
-        <p:txBody>
-          <a:bodyPr/>
-          <a:lstStyle/>
-          <a:p>
-            <a:r>
-              <a:rPr lang="fr-FR" dirty="0"/>
-              <a:t>BSON</a:t>
-            </a:r>
-          </a:p>
-        </p:txBody>
-      </p:sp>
-      <p:sp>
-        <p:nvSpPr>
-          <p:cNvPr id="3" name="Espace réservé du contenu 2"/>
-          <p:cNvSpPr>
-            <a:spLocks noGrp="1"/>
-          </p:cNvSpPr>
-          <p:nvPr>
-            <p:ph idx="1"/>
-          </p:nvPr>
-        </p:nvSpPr>
-        <p:spPr/>
-        <p:txBody>
-          <a:bodyPr/>
-          <a:lstStyle/>
-          <a:p>
-            <a:r>
-              <a:rPr lang="fr-FR" dirty="0"/>
-              <a:t>Permet d’accéder à un objet par son </a:t>
-            </a:r>
-            <a:r>
-              <a:rPr lang="fr-FR" dirty="0" err="1"/>
-              <a:t>ObjectId</a:t>
-            </a:r>
-            <a:endParaRPr lang="fr-FR" dirty="0"/>
-          </a:p>
-          <a:p>
-            <a:pPr marL="0" indent="0">
-              <a:buNone/>
-            </a:pPr>
-            <a:endParaRPr lang="fr-FR" sz="2000">
-              <a:latin typeface="Courier New" panose="02070309020205020404" pitchFamily="49" charset="0"/>
-              <a:cs typeface="Courier New" panose="02070309020205020404" pitchFamily="49" charset="0"/>
-            </a:endParaRPr>
-          </a:p>
-          <a:p>
-            <a:pPr marL="0" indent="0">
-              <a:buNone/>
-            </a:pPr>
-            <a:r>
-              <a:rPr lang="fr-FR" sz="2000">
-                <a:latin typeface="Courier New" panose="02070309020205020404" pitchFamily="49" charset="0"/>
-                <a:cs typeface="Courier New" panose="02070309020205020404" pitchFamily="49" charset="0"/>
-              </a:rPr>
-              <a:t>from</a:t>
-            </a:r>
-            <a:r>
-              <a:rPr lang="fr-FR" sz="2000" dirty="0">
-                <a:latin typeface="Courier New" panose="02070309020205020404" pitchFamily="49" charset="0"/>
-                <a:cs typeface="Courier New" panose="02070309020205020404" pitchFamily="49" charset="0"/>
-              </a:rPr>
-              <a:t> </a:t>
-            </a:r>
-            <a:r>
-              <a:rPr lang="fr-FR" sz="2000" dirty="0" err="1">
-                <a:latin typeface="Courier New" panose="02070309020205020404" pitchFamily="49" charset="0"/>
-                <a:cs typeface="Courier New" panose="02070309020205020404" pitchFamily="49" charset="0"/>
-              </a:rPr>
-              <a:t>bson.objectid</a:t>
-            </a:r>
-            <a:r>
-              <a:rPr lang="fr-FR" sz="2000" dirty="0">
-                <a:latin typeface="Courier New" panose="02070309020205020404" pitchFamily="49" charset="0"/>
-                <a:cs typeface="Courier New" panose="02070309020205020404" pitchFamily="49" charset="0"/>
-              </a:rPr>
-              <a:t> import </a:t>
-            </a:r>
-            <a:r>
-              <a:rPr lang="fr-FR" sz="2000" dirty="0" err="1">
-                <a:latin typeface="Courier New" panose="02070309020205020404" pitchFamily="49" charset="0"/>
-                <a:cs typeface="Courier New" panose="02070309020205020404" pitchFamily="49" charset="0"/>
-              </a:rPr>
-              <a:t>ObjectId</a:t>
-            </a:r>
-            <a:endParaRPr lang="fr-FR" sz="2000" dirty="0">
-              <a:latin typeface="Courier New" panose="02070309020205020404" pitchFamily="49" charset="0"/>
-              <a:cs typeface="Courier New" panose="02070309020205020404" pitchFamily="49" charset="0"/>
-            </a:endParaRPr>
-          </a:p>
-          <a:p>
-            <a:pPr marL="0" indent="0">
-              <a:buNone/>
-            </a:pPr>
-            <a:r>
-              <a:rPr lang="fr-FR" sz="2000" dirty="0">
-                <a:latin typeface="Courier New" panose="02070309020205020404" pitchFamily="49" charset="0"/>
-                <a:cs typeface="Courier New" panose="02070309020205020404" pitchFamily="49" charset="0"/>
-              </a:rPr>
-              <a:t>l = </a:t>
-            </a:r>
-            <a:r>
-              <a:rPr lang="fr-FR" sz="2000" dirty="0" err="1">
-                <a:latin typeface="Courier New" panose="02070309020205020404" pitchFamily="49" charset="0"/>
-                <a:cs typeface="Courier New" panose="02070309020205020404" pitchFamily="49" charset="0"/>
-              </a:rPr>
-              <a:t>collection.find</a:t>
-            </a:r>
-            <a:r>
-              <a:rPr lang="fr-FR" sz="2000" dirty="0">
-                <a:latin typeface="Courier New" panose="02070309020205020404" pitchFamily="49" charset="0"/>
-                <a:cs typeface="Courier New" panose="02070309020205020404" pitchFamily="49" charset="0"/>
-              </a:rPr>
-              <a:t>({"_id" : </a:t>
-            </a:r>
-            <a:r>
-              <a:rPr lang="fr-FR" sz="2000" dirty="0" err="1">
-                <a:latin typeface="Courier New" panose="02070309020205020404" pitchFamily="49" charset="0"/>
-                <a:cs typeface="Courier New" panose="02070309020205020404" pitchFamily="49" charset="0"/>
-              </a:rPr>
-              <a:t>ObjectId</a:t>
-            </a:r>
-            <a:r>
-              <a:rPr lang="fr-FR" sz="2000" dirty="0">
-                <a:latin typeface="Courier New" panose="02070309020205020404" pitchFamily="49" charset="0"/>
-                <a:cs typeface="Courier New" panose="02070309020205020404" pitchFamily="49" charset="0"/>
-              </a:rPr>
-              <a:t>("5a3454f724f3eb1ea0073cba")})</a:t>
-            </a:r>
-          </a:p>
-          <a:p>
-            <a:pPr marL="0" indent="0">
-              <a:buNone/>
-            </a:pPr>
-            <a:r>
-              <a:rPr lang="fr-FR" sz="2000" dirty="0" err="1">
-                <a:latin typeface="Courier New" panose="02070309020205020404" pitchFamily="49" charset="0"/>
-                <a:cs typeface="Courier New" panose="02070309020205020404" pitchFamily="49" charset="0"/>
-              </a:rPr>
-              <a:t>print</a:t>
-            </a:r>
-            <a:r>
-              <a:rPr lang="fr-FR" sz="2000" dirty="0">
-                <a:latin typeface="Courier New" panose="02070309020205020404" pitchFamily="49" charset="0"/>
-                <a:cs typeface="Courier New" panose="02070309020205020404" pitchFamily="49" charset="0"/>
-              </a:rPr>
-              <a:t>(l[0]["</a:t>
-            </a:r>
-            <a:r>
-              <a:rPr lang="fr-FR" sz="2000" dirty="0" err="1">
-                <a:latin typeface="Courier New" panose="02070309020205020404" pitchFamily="49" charset="0"/>
-                <a:cs typeface="Courier New" panose="02070309020205020404" pitchFamily="49" charset="0"/>
-              </a:rPr>
-              <a:t>features</a:t>
-            </a:r>
-            <a:r>
-              <a:rPr lang="fr-FR" sz="2000" dirty="0">
-                <a:latin typeface="Courier New" panose="02070309020205020404" pitchFamily="49" charset="0"/>
-                <a:cs typeface="Courier New" panose="02070309020205020404" pitchFamily="49" charset="0"/>
-              </a:rPr>
-              <a:t>"][0]["</a:t>
-            </a:r>
-            <a:r>
-              <a:rPr lang="fr-FR" sz="2000" dirty="0" err="1">
-                <a:latin typeface="Courier New" panose="02070309020205020404" pitchFamily="49" charset="0"/>
-                <a:cs typeface="Courier New" panose="02070309020205020404" pitchFamily="49" charset="0"/>
-              </a:rPr>
-              <a:t>properties</a:t>
-            </a:r>
-            <a:r>
-              <a:rPr lang="fr-FR" sz="2000" dirty="0">
-                <a:latin typeface="Courier New" panose="02070309020205020404" pitchFamily="49" charset="0"/>
-                <a:cs typeface="Courier New" panose="02070309020205020404" pitchFamily="49" charset="0"/>
-              </a:rPr>
-              <a:t>"][0])</a:t>
-            </a:r>
-          </a:p>
-        </p:txBody>
-      </p:sp>
-    </p:spTree>
-    <p:extLst>
-      <p:ext uri="{BB962C8B-B14F-4D97-AF65-F5344CB8AC3E}">
-        <p14:creationId xmlns:p14="http://schemas.microsoft.com/office/powerpoint/2010/main" val="199878139"/>
-      </p:ext>
-    </p:extLst>
-  </p:cSld>
-  <p:clrMapOvr>
-    <a:masterClrMapping/>
-  </p:clrMapOvr>
-</p:sld>
-</file>
-
-<file path=ppt/slides/slide7.xml><?xml version="1.0" encoding="utf-8"?>
 <p:sld xmlns:a="http://schemas.openxmlformats.org/drawingml/2006/main" xmlns:r="http://schemas.openxmlformats.org/officeDocument/2006/relationships" xmlns:p="http://schemas.openxmlformats.org/presentationml/2006/main">
   <p:cSld>
     <p:spTree>
